--- a/Exam_presentation.pptx
+++ b/Exam_presentation.pptx
@@ -5,11 +5,14 @@
     <p:sldMasterId id="2147483650" r:id="rId2"/>
   </p:sldMasterIdLst>
   <p:notesMasterIdLst>
-    <p:notesMasterId r:id="rId5"/>
+    <p:notesMasterId r:id="rId8"/>
   </p:notesMasterIdLst>
   <p:sldIdLst>
     <p:sldId id="257" r:id="rId3"/>
     <p:sldId id="258" r:id="rId4"/>
+    <p:sldId id="259" r:id="rId5"/>
+    <p:sldId id="260" r:id="rId6"/>
+    <p:sldId id="261" r:id="rId7"/>
   </p:sldIdLst>
   <p:sldSz cx="9144000" cy="6858000" type="screen4x3"/>
   <p:notesSz cx="6858000" cy="9144000"/>
@@ -130,7 +133,7 @@
 <file path=ppt/revisionInfo.xml><?xml version="1.0" encoding="utf-8"?>
 <p1510:revInfo xmlns:a="http://schemas.openxmlformats.org/drawingml/2006/main" xmlns:r="http://schemas.openxmlformats.org/officeDocument/2006/relationships" xmlns:p1510="http://schemas.microsoft.com/office/powerpoint/2015/10/main">
   <p1510:revLst>
-    <p1510:client id="{9F8A163D-D3D1-4CE9-B00F-B795E7CFB3BA}" v="2" dt="2019-12-16T16:18:44.832"/>
+    <p1510:client id="{9F8A163D-D3D1-4CE9-B00F-B795E7CFB3BA}" v="16" dt="2019-12-16T18:15:41.362"/>
   </p1510:revLst>
 </p1510:revInfo>
 </file>
@@ -5048,6 +5051,676 @@
     <p:extLst>
       <p:ext uri="{BB962C8B-B14F-4D97-AF65-F5344CB8AC3E}">
         <p14:creationId xmlns:p14="http://schemas.microsoft.com/office/powerpoint/2010/main" val="57034185"/>
+      </p:ext>
+    </p:extLst>
+  </p:cSld>
+  <p:clrMapOvr>
+    <a:masterClrMapping/>
+  </p:clrMapOvr>
+</p:sld>
+</file>
+
+<file path=ppt/slides/slide3.xml><?xml version="1.0" encoding="utf-8"?>
+<p:sld xmlns:a="http://schemas.openxmlformats.org/drawingml/2006/main" xmlns:r="http://schemas.openxmlformats.org/officeDocument/2006/relationships" xmlns:p="http://schemas.openxmlformats.org/presentationml/2006/main">
+  <p:cSld>
+    <p:spTree>
+      <p:nvGrpSpPr>
+        <p:cNvPr id="1" name=""/>
+        <p:cNvGrpSpPr/>
+        <p:nvPr/>
+      </p:nvGrpSpPr>
+      <p:grpSpPr>
+        <a:xfrm>
+          <a:off x="0" y="0"/>
+          <a:ext cx="0" cy="0"/>
+          <a:chOff x="0" y="0"/>
+          <a:chExt cx="0" cy="0"/>
+        </a:xfrm>
+      </p:grpSpPr>
+      <p:sp>
+        <p:nvSpPr>
+          <p:cNvPr id="2" name="Titel 1">
+            <a:extLst>
+              <a:ext uri="{FF2B5EF4-FFF2-40B4-BE49-F238E27FC236}">
+                <a16:creationId xmlns:a16="http://schemas.microsoft.com/office/drawing/2014/main" id="{528AA24C-3EC1-44E3-8E66-439A97C68B45}"/>
+              </a:ext>
+            </a:extLst>
+          </p:cNvPr>
+          <p:cNvSpPr>
+            <a:spLocks noGrp="1"/>
+          </p:cNvSpPr>
+          <p:nvPr>
+            <p:ph type="title"/>
+          </p:nvPr>
+        </p:nvSpPr>
+        <p:spPr/>
+        <p:txBody>
+          <a:bodyPr/>
+          <a:lstStyle/>
+          <a:p>
+            <a:r>
+              <a:rPr lang="da-DK" dirty="0"/>
+              <a:t>Optimal </a:t>
+            </a:r>
+            <a:r>
+              <a:rPr lang="da-DK" dirty="0" err="1"/>
+              <a:t>indoor</a:t>
+            </a:r>
+            <a:r>
+              <a:rPr lang="da-DK" dirty="0"/>
+              <a:t> </a:t>
+            </a:r>
+            <a:r>
+              <a:rPr lang="da-DK" dirty="0" err="1"/>
+              <a:t>conditions</a:t>
+            </a:r>
+            <a:endParaRPr lang="da-DK" dirty="0"/>
+          </a:p>
+        </p:txBody>
+      </p:sp>
+      <p:pic>
+        <p:nvPicPr>
+          <p:cNvPr id="3" name="Billede 2">
+            <a:extLst>
+              <a:ext uri="{FF2B5EF4-FFF2-40B4-BE49-F238E27FC236}">
+                <a16:creationId xmlns:a16="http://schemas.microsoft.com/office/drawing/2014/main" id="{AD091184-67F4-4169-BFE4-4B51D534BCC1}"/>
+              </a:ext>
+            </a:extLst>
+          </p:cNvPr>
+          <p:cNvPicPr>
+            <a:picLocks noChangeAspect="1"/>
+          </p:cNvPicPr>
+          <p:nvPr/>
+        </p:nvPicPr>
+        <p:blipFill>
+          <a:blip r:embed="rId2"/>
+          <a:stretch>
+            <a:fillRect/>
+          </a:stretch>
+        </p:blipFill>
+        <p:spPr>
+          <a:xfrm>
+            <a:off x="251520" y="1268760"/>
+            <a:ext cx="6602030" cy="3996444"/>
+          </a:xfrm>
+          <a:prstGeom prst="rect">
+            <a:avLst/>
+          </a:prstGeom>
+        </p:spPr>
+      </p:pic>
+      <p:pic>
+        <p:nvPicPr>
+          <p:cNvPr id="4" name="Billede 3">
+            <a:extLst>
+              <a:ext uri="{FF2B5EF4-FFF2-40B4-BE49-F238E27FC236}">
+                <a16:creationId xmlns:a16="http://schemas.microsoft.com/office/drawing/2014/main" id="{E2B9EC1C-1DD7-4C5A-A697-79578A9AD8F9}"/>
+              </a:ext>
+            </a:extLst>
+          </p:cNvPr>
+          <p:cNvPicPr>
+            <a:picLocks noChangeAspect="1"/>
+          </p:cNvPicPr>
+          <p:nvPr/>
+        </p:nvPicPr>
+        <p:blipFill>
+          <a:blip r:embed="rId3"/>
+          <a:stretch>
+            <a:fillRect/>
+          </a:stretch>
+        </p:blipFill>
+        <p:spPr>
+          <a:xfrm>
+            <a:off x="3923928" y="3804131"/>
+            <a:ext cx="4629150" cy="2486025"/>
+          </a:xfrm>
+          <a:prstGeom prst="rect">
+            <a:avLst/>
+          </a:prstGeom>
+          <a:solidFill>
+            <a:srgbClr val="FFFFFF">
+              <a:shade val="85000"/>
+            </a:srgbClr>
+          </a:solidFill>
+          <a:ln w="88900" cap="sq">
+            <a:solidFill>
+              <a:srgbClr val="FFFFFF"/>
+            </a:solidFill>
+            <a:miter lim="800000"/>
+          </a:ln>
+          <a:effectLst>
+            <a:outerShdw blurRad="55000" dist="18000" dir="5400000" algn="tl" rotWithShape="0">
+              <a:srgbClr val="000000">
+                <a:alpha val="40000"/>
+              </a:srgbClr>
+            </a:outerShdw>
+          </a:effectLst>
+          <a:scene3d>
+            <a:camera prst="orthographicFront"/>
+            <a:lightRig rig="twoPt" dir="t">
+              <a:rot lat="0" lon="0" rev="7200000"/>
+            </a:lightRig>
+          </a:scene3d>
+          <a:sp3d>
+            <a:bevelT w="25400" h="19050"/>
+            <a:contourClr>
+              <a:srgbClr val="FFFFFF"/>
+            </a:contourClr>
+          </a:sp3d>
+        </p:spPr>
+      </p:pic>
+    </p:spTree>
+    <p:extLst>
+      <p:ext uri="{BB962C8B-B14F-4D97-AF65-F5344CB8AC3E}">
+        <p14:creationId xmlns:p14="http://schemas.microsoft.com/office/powerpoint/2010/main" val="3692870493"/>
+      </p:ext>
+    </p:extLst>
+  </p:cSld>
+  <p:clrMapOvr>
+    <a:masterClrMapping/>
+  </p:clrMapOvr>
+</p:sld>
+</file>
+
+<file path=ppt/slides/slide4.xml><?xml version="1.0" encoding="utf-8"?>
+<p:sld xmlns:a="http://schemas.openxmlformats.org/drawingml/2006/main" xmlns:r="http://schemas.openxmlformats.org/officeDocument/2006/relationships" xmlns:p="http://schemas.openxmlformats.org/presentationml/2006/main">
+  <p:cSld>
+    <p:spTree>
+      <p:nvGrpSpPr>
+        <p:cNvPr id="1" name=""/>
+        <p:cNvGrpSpPr/>
+        <p:nvPr/>
+      </p:nvGrpSpPr>
+      <p:grpSpPr>
+        <a:xfrm>
+          <a:off x="0" y="0"/>
+          <a:ext cx="0" cy="0"/>
+          <a:chOff x="0" y="0"/>
+          <a:chExt cx="0" cy="0"/>
+        </a:xfrm>
+      </p:grpSpPr>
+      <p:sp>
+        <p:nvSpPr>
+          <p:cNvPr id="2" name="Titel 1">
+            <a:extLst>
+              <a:ext uri="{FF2B5EF4-FFF2-40B4-BE49-F238E27FC236}">
+                <a16:creationId xmlns:a16="http://schemas.microsoft.com/office/drawing/2014/main" id="{676136C6-E583-4D6D-8C08-60E532B2616A}"/>
+              </a:ext>
+            </a:extLst>
+          </p:cNvPr>
+          <p:cNvSpPr>
+            <a:spLocks noGrp="1"/>
+          </p:cNvSpPr>
+          <p:nvPr>
+            <p:ph type="title"/>
+          </p:nvPr>
+        </p:nvSpPr>
+        <p:spPr>
+          <a:xfrm>
+            <a:off x="457200" y="274638"/>
+            <a:ext cx="8229600" cy="994122"/>
+          </a:xfrm>
+        </p:spPr>
+        <p:txBody>
+          <a:bodyPr/>
+          <a:lstStyle/>
+          <a:p>
+            <a:r>
+              <a:rPr lang="da-DK" dirty="0"/>
+              <a:t>Measurements</a:t>
+            </a:r>
+          </a:p>
+        </p:txBody>
+      </p:sp>
+      <p:pic>
+        <p:nvPicPr>
+          <p:cNvPr id="3" name="Billede 2">
+            <a:extLst>
+              <a:ext uri="{FF2B5EF4-FFF2-40B4-BE49-F238E27FC236}">
+                <a16:creationId xmlns:a16="http://schemas.microsoft.com/office/drawing/2014/main" id="{89B369E9-AC23-4F0F-B781-5125EBD3C060}"/>
+              </a:ext>
+            </a:extLst>
+          </p:cNvPr>
+          <p:cNvPicPr>
+            <a:picLocks noChangeAspect="1"/>
+          </p:cNvPicPr>
+          <p:nvPr/>
+        </p:nvPicPr>
+        <p:blipFill>
+          <a:blip r:embed="rId2"/>
+          <a:stretch>
+            <a:fillRect/>
+          </a:stretch>
+        </p:blipFill>
+        <p:spPr>
+          <a:xfrm>
+            <a:off x="2954" y="1268760"/>
+            <a:ext cx="4456089" cy="3743996"/>
+          </a:xfrm>
+          <a:prstGeom prst="rect">
+            <a:avLst/>
+          </a:prstGeom>
+        </p:spPr>
+      </p:pic>
+      <p:pic>
+        <p:nvPicPr>
+          <p:cNvPr id="4" name="Billede 3">
+            <a:extLst>
+              <a:ext uri="{FF2B5EF4-FFF2-40B4-BE49-F238E27FC236}">
+                <a16:creationId xmlns:a16="http://schemas.microsoft.com/office/drawing/2014/main" id="{28FEF94C-A30B-45BD-B9FA-5219B0D61F72}"/>
+              </a:ext>
+            </a:extLst>
+          </p:cNvPr>
+          <p:cNvPicPr>
+            <a:picLocks noChangeAspect="1"/>
+          </p:cNvPicPr>
+          <p:nvPr/>
+        </p:nvPicPr>
+        <p:blipFill>
+          <a:blip r:embed="rId3"/>
+          <a:stretch>
+            <a:fillRect/>
+          </a:stretch>
+        </p:blipFill>
+        <p:spPr>
+          <a:xfrm>
+            <a:off x="4570035" y="1268760"/>
+            <a:ext cx="4437329" cy="3743996"/>
+          </a:xfrm>
+          <a:prstGeom prst="rect">
+            <a:avLst/>
+          </a:prstGeom>
+        </p:spPr>
+      </p:pic>
+      <p:sp>
+        <p:nvSpPr>
+          <p:cNvPr id="5" name="Ellipse 4">
+            <a:extLst>
+              <a:ext uri="{FF2B5EF4-FFF2-40B4-BE49-F238E27FC236}">
+                <a16:creationId xmlns:a16="http://schemas.microsoft.com/office/drawing/2014/main" id="{1964A1F4-1D59-486C-B0FF-C1BEC1201047}"/>
+              </a:ext>
+            </a:extLst>
+          </p:cNvPr>
+          <p:cNvSpPr/>
+          <p:nvPr/>
+        </p:nvSpPr>
+        <p:spPr>
+          <a:xfrm>
+            <a:off x="1043608" y="4293096"/>
+            <a:ext cx="504056" cy="432048"/>
+          </a:xfrm>
+          <a:prstGeom prst="ellipse">
+            <a:avLst/>
+          </a:prstGeom>
+          <a:noFill/>
+          <a:ln>
+            <a:solidFill>
+              <a:srgbClr val="FF0000"/>
+            </a:solidFill>
+          </a:ln>
+        </p:spPr>
+        <p:style>
+          <a:lnRef idx="2">
+            <a:schemeClr val="accent1">
+              <a:shade val="50000"/>
+            </a:schemeClr>
+          </a:lnRef>
+          <a:fillRef idx="1">
+            <a:schemeClr val="accent1"/>
+          </a:fillRef>
+          <a:effectRef idx="0">
+            <a:schemeClr val="accent1"/>
+          </a:effectRef>
+          <a:fontRef idx="minor">
+            <a:schemeClr val="lt1"/>
+          </a:fontRef>
+        </p:style>
+        <p:txBody>
+          <a:bodyPr rtlCol="0" anchor="ctr"/>
+          <a:lstStyle/>
+          <a:p>
+            <a:pPr algn="ctr"/>
+            <a:endParaRPr lang="da-DK"/>
+          </a:p>
+        </p:txBody>
+      </p:sp>
+      <p:sp>
+        <p:nvSpPr>
+          <p:cNvPr id="6" name="Tekstfelt 5">
+            <a:extLst>
+              <a:ext uri="{FF2B5EF4-FFF2-40B4-BE49-F238E27FC236}">
+                <a16:creationId xmlns:a16="http://schemas.microsoft.com/office/drawing/2014/main" id="{C9A3F3AC-3AF1-4327-9098-CC05D66EC7C5}"/>
+              </a:ext>
+            </a:extLst>
+          </p:cNvPr>
+          <p:cNvSpPr txBox="1"/>
+          <p:nvPr/>
+        </p:nvSpPr>
+        <p:spPr>
+          <a:xfrm>
+            <a:off x="611560" y="4956366"/>
+            <a:ext cx="2016224" cy="646331"/>
+          </a:xfrm>
+          <a:prstGeom prst="rect">
+            <a:avLst/>
+          </a:prstGeom>
+          <a:noFill/>
+        </p:spPr>
+        <p:txBody>
+          <a:bodyPr wrap="square" rtlCol="0">
+            <a:spAutoFit/>
+          </a:bodyPr>
+          <a:lstStyle/>
+          <a:p>
+            <a:r>
+              <a:rPr lang="da-DK" dirty="0"/>
+              <a:t>ERROR checks</a:t>
+            </a:r>
+          </a:p>
+          <a:p>
+            <a:r>
+              <a:rPr lang="da-DK" dirty="0" err="1"/>
+              <a:t>Before</a:t>
+            </a:r>
+            <a:r>
+              <a:rPr lang="da-DK" dirty="0"/>
+              <a:t> </a:t>
+            </a:r>
+            <a:r>
+              <a:rPr lang="da-DK" dirty="0" err="1"/>
+              <a:t>publishing</a:t>
+            </a:r>
+            <a:endParaRPr lang="da-DK" dirty="0"/>
+          </a:p>
+        </p:txBody>
+      </p:sp>
+      <p:sp>
+        <p:nvSpPr>
+          <p:cNvPr id="7" name="Tekstfelt 6">
+            <a:extLst>
+              <a:ext uri="{FF2B5EF4-FFF2-40B4-BE49-F238E27FC236}">
+                <a16:creationId xmlns:a16="http://schemas.microsoft.com/office/drawing/2014/main" id="{C2301A8D-2A1A-41E1-97D6-248BD4B03AAD}"/>
+              </a:ext>
+            </a:extLst>
+          </p:cNvPr>
+          <p:cNvSpPr txBox="1"/>
+          <p:nvPr/>
+        </p:nvSpPr>
+        <p:spPr>
+          <a:xfrm>
+            <a:off x="6012160" y="6237312"/>
+            <a:ext cx="2995204" cy="369332"/>
+          </a:xfrm>
+          <a:prstGeom prst="rect">
+            <a:avLst/>
+          </a:prstGeom>
+          <a:noFill/>
+        </p:spPr>
+        <p:txBody>
+          <a:bodyPr wrap="square" rtlCol="0">
+            <a:spAutoFit/>
+          </a:bodyPr>
+          <a:lstStyle/>
+          <a:p>
+            <a:r>
+              <a:rPr lang="da-DK" dirty="0" err="1"/>
+              <a:t>Thingspeak</a:t>
+            </a:r>
+            <a:r>
+              <a:rPr lang="da-DK" dirty="0"/>
+              <a:t> -&gt; MATLAB </a:t>
+            </a:r>
+            <a:r>
+              <a:rPr lang="da-DK" dirty="0" err="1"/>
+              <a:t>code</a:t>
+            </a:r>
+            <a:endParaRPr lang="da-DK" dirty="0"/>
+          </a:p>
+        </p:txBody>
+      </p:sp>
+    </p:spTree>
+    <p:extLst>
+      <p:ext uri="{BB962C8B-B14F-4D97-AF65-F5344CB8AC3E}">
+        <p14:creationId xmlns:p14="http://schemas.microsoft.com/office/powerpoint/2010/main" val="2257830630"/>
+      </p:ext>
+    </p:extLst>
+  </p:cSld>
+  <p:clrMapOvr>
+    <a:masterClrMapping/>
+  </p:clrMapOvr>
+</p:sld>
+</file>
+
+<file path=ppt/slides/slide5.xml><?xml version="1.0" encoding="utf-8"?>
+<p:sld xmlns:a="http://schemas.openxmlformats.org/drawingml/2006/main" xmlns:r="http://schemas.openxmlformats.org/officeDocument/2006/relationships" xmlns:p="http://schemas.openxmlformats.org/presentationml/2006/main">
+  <p:cSld>
+    <p:spTree>
+      <p:nvGrpSpPr>
+        <p:cNvPr id="1" name=""/>
+        <p:cNvGrpSpPr/>
+        <p:nvPr/>
+      </p:nvGrpSpPr>
+      <p:grpSpPr>
+        <a:xfrm>
+          <a:off x="0" y="0"/>
+          <a:ext cx="0" cy="0"/>
+          <a:chOff x="0" y="0"/>
+          <a:chExt cx="0" cy="0"/>
+        </a:xfrm>
+      </p:grpSpPr>
+      <p:sp>
+        <p:nvSpPr>
+          <p:cNvPr id="2" name="Titel 1">
+            <a:extLst>
+              <a:ext uri="{FF2B5EF4-FFF2-40B4-BE49-F238E27FC236}">
+                <a16:creationId xmlns:a16="http://schemas.microsoft.com/office/drawing/2014/main" id="{36F7F77A-996C-4B60-8E42-D0B480C9A0EE}"/>
+              </a:ext>
+            </a:extLst>
+          </p:cNvPr>
+          <p:cNvSpPr>
+            <a:spLocks noGrp="1"/>
+          </p:cNvSpPr>
+          <p:nvPr>
+            <p:ph type="title"/>
+          </p:nvPr>
+        </p:nvSpPr>
+        <p:spPr/>
+        <p:txBody>
+          <a:bodyPr/>
+          <a:lstStyle/>
+          <a:p>
+            <a:r>
+              <a:rPr lang="da-DK"/>
+              <a:t>Future </a:t>
+            </a:r>
+            <a:r>
+              <a:rPr lang="da-DK" dirty="0" err="1"/>
+              <a:t>implementations</a:t>
+            </a:r>
+            <a:endParaRPr lang="da-DK" dirty="0"/>
+          </a:p>
+        </p:txBody>
+      </p:sp>
+      <p:pic>
+        <p:nvPicPr>
+          <p:cNvPr id="3" name="Billede 2">
+            <a:extLst>
+              <a:ext uri="{FF2B5EF4-FFF2-40B4-BE49-F238E27FC236}">
+                <a16:creationId xmlns:a16="http://schemas.microsoft.com/office/drawing/2014/main" id="{3211DA04-47F9-44DD-AB6B-1C05F70CE085}"/>
+              </a:ext>
+            </a:extLst>
+          </p:cNvPr>
+          <p:cNvPicPr>
+            <a:picLocks noChangeAspect="1"/>
+          </p:cNvPicPr>
+          <p:nvPr/>
+        </p:nvPicPr>
+        <p:blipFill>
+          <a:blip r:embed="rId2"/>
+          <a:stretch>
+            <a:fillRect/>
+          </a:stretch>
+        </p:blipFill>
+        <p:spPr>
+          <a:xfrm>
+            <a:off x="395536" y="1628800"/>
+            <a:ext cx="7043571" cy="3235498"/>
+          </a:xfrm>
+          <a:prstGeom prst="rect">
+            <a:avLst/>
+          </a:prstGeom>
+        </p:spPr>
+      </p:pic>
+      <p:sp>
+        <p:nvSpPr>
+          <p:cNvPr id="4" name="Tekstfelt 3">
+            <a:extLst>
+              <a:ext uri="{FF2B5EF4-FFF2-40B4-BE49-F238E27FC236}">
+                <a16:creationId xmlns:a16="http://schemas.microsoft.com/office/drawing/2014/main" id="{8474F38A-2ADC-421D-AB8B-11ECA3F5EF91}"/>
+              </a:ext>
+            </a:extLst>
+          </p:cNvPr>
+          <p:cNvSpPr txBox="1"/>
+          <p:nvPr/>
+        </p:nvSpPr>
+        <p:spPr>
+          <a:xfrm>
+            <a:off x="611560" y="4864298"/>
+            <a:ext cx="2736304" cy="646331"/>
+          </a:xfrm>
+          <a:prstGeom prst="rect">
+            <a:avLst/>
+          </a:prstGeom>
+          <a:noFill/>
+        </p:spPr>
+        <p:txBody>
+          <a:bodyPr wrap="square" rtlCol="0">
+            <a:spAutoFit/>
+          </a:bodyPr>
+          <a:lstStyle/>
+          <a:p>
+            <a:r>
+              <a:rPr lang="da-DK" dirty="0"/>
+              <a:t>Make the system </a:t>
+            </a:r>
+            <a:r>
+              <a:rPr lang="da-DK" dirty="0" err="1"/>
+              <a:t>night</a:t>
+            </a:r>
+            <a:r>
+              <a:rPr lang="da-DK" dirty="0"/>
+              <a:t>/</a:t>
+            </a:r>
+            <a:r>
+              <a:rPr lang="da-DK" dirty="0" err="1"/>
+              <a:t>day</a:t>
+            </a:r>
+            <a:r>
+              <a:rPr lang="da-DK" dirty="0"/>
+              <a:t> or oven </a:t>
+            </a:r>
+            <a:r>
+              <a:rPr lang="da-DK" dirty="0" err="1"/>
+              <a:t>season</a:t>
+            </a:r>
+            <a:r>
+              <a:rPr lang="da-DK" dirty="0"/>
+              <a:t> </a:t>
+            </a:r>
+            <a:r>
+              <a:rPr lang="da-DK" dirty="0" err="1"/>
+              <a:t>dependend</a:t>
+            </a:r>
+            <a:endParaRPr lang="da-DK" dirty="0"/>
+          </a:p>
+        </p:txBody>
+      </p:sp>
+      <p:sp>
+        <p:nvSpPr>
+          <p:cNvPr id="5" name="Tekstfelt 4">
+            <a:extLst>
+              <a:ext uri="{FF2B5EF4-FFF2-40B4-BE49-F238E27FC236}">
+                <a16:creationId xmlns:a16="http://schemas.microsoft.com/office/drawing/2014/main" id="{748C69BA-4E27-4E6C-9E1C-6011D1D0033A}"/>
+              </a:ext>
+            </a:extLst>
+          </p:cNvPr>
+          <p:cNvSpPr txBox="1"/>
+          <p:nvPr/>
+        </p:nvSpPr>
+        <p:spPr>
+          <a:xfrm>
+            <a:off x="4283968" y="4906034"/>
+            <a:ext cx="2808312" cy="923330"/>
+          </a:xfrm>
+          <a:prstGeom prst="rect">
+            <a:avLst/>
+          </a:prstGeom>
+          <a:noFill/>
+        </p:spPr>
+        <p:txBody>
+          <a:bodyPr wrap="square" rtlCol="0">
+            <a:spAutoFit/>
+          </a:bodyPr>
+          <a:lstStyle/>
+          <a:p>
+            <a:r>
+              <a:rPr lang="da-DK" dirty="0"/>
+              <a:t>This </a:t>
+            </a:r>
+            <a:r>
+              <a:rPr lang="da-DK" dirty="0" err="1"/>
+              <a:t>could</a:t>
+            </a:r>
+            <a:r>
+              <a:rPr lang="da-DK" dirty="0"/>
+              <a:t> </a:t>
+            </a:r>
+            <a:r>
+              <a:rPr lang="da-DK" dirty="0" err="1"/>
+              <a:t>be</a:t>
+            </a:r>
+            <a:r>
+              <a:rPr lang="da-DK" dirty="0"/>
+              <a:t> an alternative to the </a:t>
+            </a:r>
+            <a:r>
+              <a:rPr lang="da-DK" dirty="0" err="1"/>
+              <a:t>way</a:t>
+            </a:r>
+            <a:r>
+              <a:rPr lang="da-DK" dirty="0"/>
+              <a:t> the </a:t>
+            </a:r>
+            <a:r>
+              <a:rPr lang="da-DK" dirty="0" err="1"/>
+              <a:t>actuator</a:t>
+            </a:r>
+            <a:r>
+              <a:rPr lang="da-DK" dirty="0"/>
+              <a:t> is </a:t>
+            </a:r>
+            <a:r>
+              <a:rPr lang="da-DK" dirty="0" err="1"/>
+              <a:t>controlled</a:t>
+            </a:r>
+            <a:r>
+              <a:rPr lang="da-DK" dirty="0"/>
+              <a:t> </a:t>
+            </a:r>
+            <a:r>
+              <a:rPr lang="da-DK" dirty="0" err="1"/>
+              <a:t>now</a:t>
+            </a:r>
+            <a:r>
+              <a:rPr lang="da-DK" dirty="0"/>
+              <a:t>.</a:t>
+            </a:r>
+          </a:p>
+        </p:txBody>
+      </p:sp>
+    </p:spTree>
+    <p:extLst>
+      <p:ext uri="{BB962C8B-B14F-4D97-AF65-F5344CB8AC3E}">
+        <p14:creationId xmlns:p14="http://schemas.microsoft.com/office/powerpoint/2010/main" val="1984130507"/>
       </p:ext>
     </p:extLst>
   </p:cSld>

--- a/Exam_presentation.pptx
+++ b/Exam_presentation.pptx
@@ -5,14 +5,13 @@
     <p:sldMasterId id="2147483650" r:id="rId2"/>
   </p:sldMasterIdLst>
   <p:notesMasterIdLst>
-    <p:notesMasterId r:id="rId8"/>
+    <p:notesMasterId r:id="rId7"/>
   </p:notesMasterIdLst>
   <p:sldIdLst>
     <p:sldId id="257" r:id="rId3"/>
-    <p:sldId id="258" r:id="rId4"/>
-    <p:sldId id="259" r:id="rId5"/>
-    <p:sldId id="260" r:id="rId6"/>
-    <p:sldId id="261" r:id="rId7"/>
+    <p:sldId id="259" r:id="rId4"/>
+    <p:sldId id="260" r:id="rId5"/>
+    <p:sldId id="261" r:id="rId6"/>
   </p:sldIdLst>
   <p:sldSz cx="9144000" cy="6858000" type="screen4x3"/>
   <p:notesSz cx="6858000" cy="9144000"/>
@@ -220,7 +219,7 @@
           <a:p>
             <a:fld id="{74A90B2E-34C5-4001-8DD0-DD59B4864EC2}" type="datetimeFigureOut">
               <a:rPr lang="en-US" smtClean="0"/>
-              <a:t>12/16/2019</a:t>
+              <a:t>12/17/2019</a:t>
             </a:fld>
             <a:endParaRPr lang="en-US"/>
           </a:p>
@@ -675,7 +674,7 @@
                 </a:solidFill>
               </a:rPr>
               <a:pPr/>
-              <a:t>12/16/2019</a:t>
+              <a:t>12/17/2019</a:t>
             </a:fld>
             <a:endParaRPr lang="en-US" dirty="0">
               <a:solidFill>
@@ -877,7 +876,7 @@
                 </a:solidFill>
               </a:rPr>
               <a:pPr/>
-              <a:t>12/16/2019</a:t>
+              <a:t>12/17/2019</a:t>
             </a:fld>
             <a:endParaRPr lang="en-US" dirty="0">
               <a:solidFill>
@@ -1089,7 +1088,7 @@
                 </a:solidFill>
               </a:rPr>
               <a:pPr/>
-              <a:t>12/16/2019</a:t>
+              <a:t>12/17/2019</a:t>
             </a:fld>
             <a:endParaRPr lang="en-US" dirty="0">
               <a:solidFill>
@@ -1291,7 +1290,7 @@
                 </a:solidFill>
               </a:rPr>
               <a:pPr/>
-              <a:t>12/16/2019</a:t>
+              <a:t>12/17/2019</a:t>
             </a:fld>
             <a:endParaRPr lang="en-US" dirty="0">
               <a:solidFill>
@@ -1569,7 +1568,7 @@
                 </a:solidFill>
               </a:rPr>
               <a:pPr/>
-              <a:t>12/16/2019</a:t>
+              <a:t>12/17/2019</a:t>
             </a:fld>
             <a:endParaRPr lang="en-US" dirty="0">
               <a:solidFill>
@@ -1889,7 +1888,7 @@
                 </a:solidFill>
               </a:rPr>
               <a:pPr/>
-              <a:t>12/16/2019</a:t>
+              <a:t>12/17/2019</a:t>
             </a:fld>
             <a:endParaRPr lang="en-US" dirty="0">
               <a:solidFill>
@@ -2343,7 +2342,7 @@
                 </a:solidFill>
               </a:rPr>
               <a:pPr/>
-              <a:t>12/16/2019</a:t>
+              <a:t>12/17/2019</a:t>
             </a:fld>
             <a:endParaRPr lang="en-US" dirty="0">
               <a:solidFill>
@@ -2493,7 +2492,7 @@
                 </a:solidFill>
               </a:rPr>
               <a:pPr/>
-              <a:t>12/16/2019</a:t>
+              <a:t>12/17/2019</a:t>
             </a:fld>
             <a:endParaRPr lang="en-US" dirty="0">
               <a:solidFill>
@@ -2620,7 +2619,7 @@
                 </a:solidFill>
               </a:rPr>
               <a:pPr/>
-              <a:t>12/16/2019</a:t>
+              <a:t>12/17/2019</a:t>
             </a:fld>
             <a:endParaRPr lang="en-US" dirty="0">
               <a:solidFill>
@@ -2929,7 +2928,7 @@
                 </a:solidFill>
               </a:rPr>
               <a:pPr/>
-              <a:t>12/16/2019</a:t>
+              <a:t>12/17/2019</a:t>
             </a:fld>
             <a:endParaRPr lang="en-US" dirty="0">
               <a:solidFill>
@@ -3218,7 +3217,7 @@
                 </a:solidFill>
               </a:rPr>
               <a:pPr/>
-              <a:t>12/16/2019</a:t>
+              <a:t>12/17/2019</a:t>
             </a:fld>
             <a:endParaRPr lang="en-US" dirty="0">
               <a:solidFill>
@@ -3463,7 +3462,7 @@
                 </a:solidFill>
               </a:rPr>
               <a:pPr/>
-              <a:t>12/16/2019</a:t>
+              <a:t>12/17/2019</a:t>
             </a:fld>
             <a:endParaRPr lang="en-US" dirty="0">
               <a:solidFill>
@@ -4998,87 +4997,6 @@
       </p:grpSpPr>
       <p:sp>
         <p:nvSpPr>
-          <p:cNvPr id="2" name="Tekstfelt 1">
-            <a:extLst>
-              <a:ext uri="{FF2B5EF4-FFF2-40B4-BE49-F238E27FC236}">
-                <a16:creationId xmlns:a16="http://schemas.microsoft.com/office/drawing/2014/main" id="{46ACE5A2-B24A-47DD-859E-E032C91DD635}"/>
-              </a:ext>
-            </a:extLst>
-          </p:cNvPr>
-          <p:cNvSpPr txBox="1"/>
-          <p:nvPr/>
-        </p:nvSpPr>
-        <p:spPr>
-          <a:xfrm>
-            <a:off x="1331640" y="692696"/>
-            <a:ext cx="5760640" cy="1200329"/>
-          </a:xfrm>
-          <a:prstGeom prst="rect">
-            <a:avLst/>
-          </a:prstGeom>
-          <a:noFill/>
-        </p:spPr>
-        <p:txBody>
-          <a:bodyPr wrap="square" rtlCol="0">
-            <a:spAutoFit/>
-          </a:bodyPr>
-          <a:lstStyle/>
-          <a:p>
-            <a:pPr algn="ctr"/>
-            <a:r>
-              <a:rPr lang="da-DK" dirty="0"/>
-              <a:t>Disposition</a:t>
-            </a:r>
-          </a:p>
-          <a:p>
-            <a:pPr algn="ctr"/>
-            <a:endParaRPr lang="da-DK" dirty="0"/>
-          </a:p>
-          <a:p>
-            <a:pPr algn="ctr"/>
-            <a:r>
-              <a:rPr lang="da-DK" dirty="0"/>
-              <a:t>Highlights</a:t>
-            </a:r>
-          </a:p>
-          <a:p>
-            <a:pPr algn="ctr"/>
-            <a:endParaRPr lang="da-DK" dirty="0"/>
-          </a:p>
-        </p:txBody>
-      </p:sp>
-    </p:spTree>
-    <p:extLst>
-      <p:ext uri="{BB962C8B-B14F-4D97-AF65-F5344CB8AC3E}">
-        <p14:creationId xmlns:p14="http://schemas.microsoft.com/office/powerpoint/2010/main" val="57034185"/>
-      </p:ext>
-    </p:extLst>
-  </p:cSld>
-  <p:clrMapOvr>
-    <a:masterClrMapping/>
-  </p:clrMapOvr>
-</p:sld>
-</file>
-
-<file path=ppt/slides/slide3.xml><?xml version="1.0" encoding="utf-8"?>
-<p:sld xmlns:a="http://schemas.openxmlformats.org/drawingml/2006/main" xmlns:r="http://schemas.openxmlformats.org/officeDocument/2006/relationships" xmlns:p="http://schemas.openxmlformats.org/presentationml/2006/main">
-  <p:cSld>
-    <p:spTree>
-      <p:nvGrpSpPr>
-        <p:cNvPr id="1" name=""/>
-        <p:cNvGrpSpPr/>
-        <p:nvPr/>
-      </p:nvGrpSpPr>
-      <p:grpSpPr>
-        <a:xfrm>
-          <a:off x="0" y="0"/>
-          <a:ext cx="0" cy="0"/>
-          <a:chOff x="0" y="0"/>
-          <a:chExt cx="0" cy="0"/>
-        </a:xfrm>
-      </p:grpSpPr>
-      <p:sp>
-        <p:nvSpPr>
           <p:cNvPr id="2" name="Titel 1">
             <a:extLst>
               <a:ext uri="{FF2B5EF4-FFF2-40B4-BE49-F238E27FC236}">
@@ -5221,7 +5139,7 @@
 </p:sld>
 </file>
 
-<file path=ppt/slides/slide4.xml><?xml version="1.0" encoding="utf-8"?>
+<file path=ppt/slides/slide3.xml><?xml version="1.0" encoding="utf-8"?>
 <p:sld xmlns:a="http://schemas.openxmlformats.org/drawingml/2006/main" xmlns:r="http://schemas.openxmlformats.org/officeDocument/2006/relationships" xmlns:p="http://schemas.openxmlformats.org/presentationml/2006/main">
   <p:cSld>
     <p:spTree>
@@ -5419,7 +5337,7 @@
           <a:p>
             <a:r>
               <a:rPr lang="da-DK" dirty="0" err="1"/>
-              <a:t>Before</a:t>
+              <a:t>before</a:t>
             </a:r>
             <a:r>
               <a:rPr lang="da-DK" dirty="0"/>
@@ -5490,7 +5408,7 @@
 </p:sld>
 </file>
 
-<file path=ppt/slides/slide5.xml><?xml version="1.0" encoding="utf-8"?>
+<file path=ppt/slides/slide4.xml><?xml version="1.0" encoding="utf-8"?>
 <p:sld xmlns:a="http://schemas.openxmlformats.org/drawingml/2006/main" xmlns:r="http://schemas.openxmlformats.org/officeDocument/2006/relationships" xmlns:p="http://schemas.openxmlformats.org/presentationml/2006/main">
   <p:cSld>
     <p:spTree>
@@ -5562,7 +5480,7 @@
         </p:blipFill>
         <p:spPr>
           <a:xfrm>
-            <a:off x="395536" y="1628800"/>
+            <a:off x="1043608" y="1484784"/>
             <a:ext cx="7043571" cy="3235498"/>
           </a:xfrm>
           <a:prstGeom prst="rect">
@@ -5584,7 +5502,7 @@
         </p:nvSpPr>
         <p:spPr>
           <a:xfrm>
-            <a:off x="611560" y="4864298"/>
+            <a:off x="1259632" y="4720282"/>
             <a:ext cx="2736304" cy="646331"/>
           </a:xfrm>
           <a:prstGeom prst="rect">
@@ -5616,7 +5534,7 @@
             </a:r>
             <a:r>
               <a:rPr lang="da-DK" dirty="0"/>
-              <a:t> or oven </a:t>
+              <a:t> or </a:t>
             </a:r>
             <a:r>
               <a:rPr lang="da-DK" dirty="0" err="1"/>
@@ -5648,7 +5566,7 @@
         </p:nvSpPr>
         <p:spPr>
           <a:xfrm>
-            <a:off x="4283968" y="4906034"/>
+            <a:off x="4932040" y="4762018"/>
             <a:ext cx="2808312" cy="923330"/>
           </a:xfrm>
           <a:prstGeom prst="rect">

--- a/Exam_presentation.pptx
+++ b/Exam_presentation.pptx
@@ -132,7 +132,7 @@
 <file path=ppt/revisionInfo.xml><?xml version="1.0" encoding="utf-8"?>
 <p1510:revInfo xmlns:a="http://schemas.openxmlformats.org/drawingml/2006/main" xmlns:r="http://schemas.openxmlformats.org/officeDocument/2006/relationships" xmlns:p1510="http://schemas.microsoft.com/office/powerpoint/2015/10/main">
   <p1510:revLst>
-    <p1510:client id="{9F8A163D-D3D1-4CE9-B00F-B795E7CFB3BA}" v="16" dt="2019-12-16T18:15:41.362"/>
+    <p1510:client id="{9F8A163D-D3D1-4CE9-B00F-B795E7CFB3BA}" v="17" dt="2019-12-18T07:28:04.637"/>
   </p1510:revLst>
 </p1510:revInfo>
 </file>
@@ -219,7 +219,7 @@
           <a:p>
             <a:fld id="{74A90B2E-34C5-4001-8DD0-DD59B4864EC2}" type="datetimeFigureOut">
               <a:rPr lang="en-US" smtClean="0"/>
-              <a:t>12/17/2019</a:t>
+              <a:t>12/18/2019</a:t>
             </a:fld>
             <a:endParaRPr lang="en-US"/>
           </a:p>
@@ -674,7 +674,7 @@
                 </a:solidFill>
               </a:rPr>
               <a:pPr/>
-              <a:t>12/17/2019</a:t>
+              <a:t>12/18/2019</a:t>
             </a:fld>
             <a:endParaRPr lang="en-US" dirty="0">
               <a:solidFill>
@@ -876,7 +876,7 @@
                 </a:solidFill>
               </a:rPr>
               <a:pPr/>
-              <a:t>12/17/2019</a:t>
+              <a:t>12/18/2019</a:t>
             </a:fld>
             <a:endParaRPr lang="en-US" dirty="0">
               <a:solidFill>
@@ -1088,7 +1088,7 @@
                 </a:solidFill>
               </a:rPr>
               <a:pPr/>
-              <a:t>12/17/2019</a:t>
+              <a:t>12/18/2019</a:t>
             </a:fld>
             <a:endParaRPr lang="en-US" dirty="0">
               <a:solidFill>
@@ -1290,7 +1290,7 @@
                 </a:solidFill>
               </a:rPr>
               <a:pPr/>
-              <a:t>12/17/2019</a:t>
+              <a:t>12/18/2019</a:t>
             </a:fld>
             <a:endParaRPr lang="en-US" dirty="0">
               <a:solidFill>
@@ -1568,7 +1568,7 @@
                 </a:solidFill>
               </a:rPr>
               <a:pPr/>
-              <a:t>12/17/2019</a:t>
+              <a:t>12/18/2019</a:t>
             </a:fld>
             <a:endParaRPr lang="en-US" dirty="0">
               <a:solidFill>
@@ -1888,7 +1888,7 @@
                 </a:solidFill>
               </a:rPr>
               <a:pPr/>
-              <a:t>12/17/2019</a:t>
+              <a:t>12/18/2019</a:t>
             </a:fld>
             <a:endParaRPr lang="en-US" dirty="0">
               <a:solidFill>
@@ -2342,7 +2342,7 @@
                 </a:solidFill>
               </a:rPr>
               <a:pPr/>
-              <a:t>12/17/2019</a:t>
+              <a:t>12/18/2019</a:t>
             </a:fld>
             <a:endParaRPr lang="en-US" dirty="0">
               <a:solidFill>
@@ -2492,7 +2492,7 @@
                 </a:solidFill>
               </a:rPr>
               <a:pPr/>
-              <a:t>12/17/2019</a:t>
+              <a:t>12/18/2019</a:t>
             </a:fld>
             <a:endParaRPr lang="en-US" dirty="0">
               <a:solidFill>
@@ -2619,7 +2619,7 @@
                 </a:solidFill>
               </a:rPr>
               <a:pPr/>
-              <a:t>12/17/2019</a:t>
+              <a:t>12/18/2019</a:t>
             </a:fld>
             <a:endParaRPr lang="en-US" dirty="0">
               <a:solidFill>
@@ -2928,7 +2928,7 @@
                 </a:solidFill>
               </a:rPr>
               <a:pPr/>
-              <a:t>12/17/2019</a:t>
+              <a:t>12/18/2019</a:t>
             </a:fld>
             <a:endParaRPr lang="en-US" dirty="0">
               <a:solidFill>
@@ -3217,7 +3217,7 @@
                 </a:solidFill>
               </a:rPr>
               <a:pPr/>
-              <a:t>12/17/2019</a:t>
+              <a:t>12/18/2019</a:t>
             </a:fld>
             <a:endParaRPr lang="en-US" dirty="0">
               <a:solidFill>
@@ -3462,7 +3462,7 @@
                 </a:solidFill>
               </a:rPr>
               <a:pPr/>
-              <a:t>12/17/2019</a:t>
+              <a:t>12/18/2019</a:t>
             </a:fld>
             <a:endParaRPr lang="en-US" dirty="0">
               <a:solidFill>
@@ -5381,11 +5381,11 @@
           <a:p>
             <a:r>
               <a:rPr lang="da-DK" dirty="0" err="1"/>
-              <a:t>Thingspeak</a:t>
+              <a:t>ThingSpeak</a:t>
             </a:r>
             <a:r>
               <a:rPr lang="da-DK" dirty="0"/>
-              <a:t> -&gt; MATLAB </a:t>
+              <a:t> → MATLAB </a:t>
             </a:r>
             <a:r>
               <a:rPr lang="da-DK" dirty="0" err="1"/>
